--- a/slide.pptx
+++ b/slide.pptx
@@ -4724,10 +4724,10 @@
       </p:sp>
       <p:pic>
         <p:nvPicPr>
-          <p:cNvPr id="8" name="内容占位符 7">
-            <a:extLst>
-              <a:ext uri="{FF2B5EF4-FFF2-40B4-BE49-F238E27FC236}">
-                <a16:creationId xmlns:a16="http://schemas.microsoft.com/office/drawing/2014/main" id="{12BA3B5B-E218-740E-0570-74EA4E9B1C5B}"/>
+          <p:cNvPr id="9" name="内容占位符 8" descr="图表, 折线图&#10;&#10;描述已自动生成">
+            <a:extLst>
+              <a:ext uri="{FF2B5EF4-FFF2-40B4-BE49-F238E27FC236}">
+                <a16:creationId xmlns:a16="http://schemas.microsoft.com/office/drawing/2014/main" id="{F059120A-FBF4-D017-4D5C-81887667C8BF}"/>
               </a:ext>
             </a:extLst>
           </p:cNvPr>
@@ -4738,19 +4738,23 @@
             <p:ph idx="1"/>
           </p:nvPr>
         </p:nvPicPr>
-        <p:blipFill rotWithShape="1">
-          <a:blip r:embed="rId2"/>
-          <a:srcRect t="6229"/>
-          <a:stretch/>
+        <p:blipFill>
+          <a:blip r:embed="rId2">
+            <a:extLst>
+              <a:ext uri="{28A0092B-C50C-407E-A947-70E740481C1C}">
+                <a14:useLocalDpi xmlns:a14="http://schemas.microsoft.com/office/drawing/2010/main" val="0"/>
+              </a:ext>
+            </a:extLst>
+          </a:blip>
+          <a:stretch>
+            <a:fillRect/>
+          </a:stretch>
         </p:blipFill>
         <p:spPr>
           <a:xfrm>
-            <a:off x="1258521" y="1528989"/>
-            <a:ext cx="9674957" cy="4963886"/>
+            <a:off x="2119618" y="1825625"/>
+            <a:ext cx="7952764" cy="4351338"/>
           </a:xfrm>
-          <a:prstGeom prst="rect">
-            <a:avLst/>
-          </a:prstGeom>
         </p:spPr>
       </p:pic>
     </p:spTree>
@@ -4849,10 +4853,10 @@
       </p:sp>
       <p:pic>
         <p:nvPicPr>
-          <p:cNvPr id="5" name="内容占位符 7">
-            <a:extLst>
-              <a:ext uri="{FF2B5EF4-FFF2-40B4-BE49-F238E27FC236}">
-                <a16:creationId xmlns:a16="http://schemas.microsoft.com/office/drawing/2014/main" id="{18CD5628-3674-123F-8611-300C37481A1C}"/>
+          <p:cNvPr id="6" name="图片 5" descr="图表, 折线图&#10;&#10;描述已自动生成">
+            <a:extLst>
+              <a:ext uri="{FF2B5EF4-FFF2-40B4-BE49-F238E27FC236}">
+                <a16:creationId xmlns:a16="http://schemas.microsoft.com/office/drawing/2014/main" id="{D83D6B34-0A15-62D8-9891-3D2F7B48BB8C}"/>
               </a:ext>
             </a:extLst>
           </p:cNvPr>
@@ -4861,15 +4865,22 @@
           </p:cNvPicPr>
           <p:nvPr/>
         </p:nvPicPr>
-        <p:blipFill rotWithShape="1">
-          <a:blip r:embed="rId2"/>
-          <a:srcRect t="6229"/>
-          <a:stretch/>
+        <p:blipFill>
+          <a:blip r:embed="rId2">
+            <a:extLst>
+              <a:ext uri="{28A0092B-C50C-407E-A947-70E740481C1C}">
+                <a14:useLocalDpi xmlns:a14="http://schemas.microsoft.com/office/drawing/2010/main" val="0"/>
+              </a:ext>
+            </a:extLst>
+          </a:blip>
+          <a:stretch>
+            <a:fillRect/>
+          </a:stretch>
         </p:blipFill>
         <p:spPr>
           <a:xfrm>
-            <a:off x="3178346" y="3429000"/>
-            <a:ext cx="5835308" cy="2993895"/>
+            <a:off x="3506220" y="3477915"/>
+            <a:ext cx="5179559" cy="2833985"/>
           </a:xfrm>
           <a:prstGeom prst="rect">
             <a:avLst/>
